--- a/Java Teamwork Project.pptx
+++ b/Java Teamwork Project.pptx
@@ -200,7 +200,7 @@
           <a:p>
             <a:fld id="{F0913D84-42B5-4170-9A1F-73ED92C2E602}" type="datetimeFigureOut">
               <a:rPr lang="bg-BG" smtClean="0"/>
-              <a:t>10.11.2015 г.</a:t>
+              <a:t>11.11.2015 г.</a:t>
             </a:fld>
             <a:endParaRPr lang="bg-BG"/>
           </a:p>
@@ -599,7 +599,7 @@
           <a:p>
             <a:fld id="{697B1828-D962-4888-A9FB-D20F3ACFF720}" type="datetimeFigureOut">
               <a:rPr lang="bg-BG" smtClean="0"/>
-              <a:t>10.11.2015 г.</a:t>
+              <a:t>11.11.2015 г.</a:t>
             </a:fld>
             <a:endParaRPr lang="bg-BG"/>
           </a:p>
@@ -774,7 +774,7 @@
           <a:p>
             <a:fld id="{697B1828-D962-4888-A9FB-D20F3ACFF720}" type="datetimeFigureOut">
               <a:rPr lang="bg-BG" smtClean="0"/>
-              <a:t>10.11.2015 г.</a:t>
+              <a:t>11.11.2015 г.</a:t>
             </a:fld>
             <a:endParaRPr lang="bg-BG"/>
           </a:p>
@@ -954,7 +954,7 @@
           <a:p>
             <a:fld id="{697B1828-D962-4888-A9FB-D20F3ACFF720}" type="datetimeFigureOut">
               <a:rPr lang="bg-BG" smtClean="0"/>
-              <a:t>10.11.2015 г.</a:t>
+              <a:t>11.11.2015 г.</a:t>
             </a:fld>
             <a:endParaRPr lang="bg-BG"/>
           </a:p>
@@ -1124,7 +1124,7 @@
           <a:p>
             <a:fld id="{697B1828-D962-4888-A9FB-D20F3ACFF720}" type="datetimeFigureOut">
               <a:rPr lang="bg-BG" smtClean="0"/>
-              <a:t>10.11.2015 г.</a:t>
+              <a:t>11.11.2015 г.</a:t>
             </a:fld>
             <a:endParaRPr lang="bg-BG"/>
           </a:p>
@@ -1370,7 +1370,7 @@
           <a:p>
             <a:fld id="{697B1828-D962-4888-A9FB-D20F3ACFF720}" type="datetimeFigureOut">
               <a:rPr lang="bg-BG" smtClean="0"/>
-              <a:t>10.11.2015 г.</a:t>
+              <a:t>11.11.2015 г.</a:t>
             </a:fld>
             <a:endParaRPr lang="bg-BG"/>
           </a:p>
@@ -1602,7 +1602,7 @@
           <a:p>
             <a:fld id="{697B1828-D962-4888-A9FB-D20F3ACFF720}" type="datetimeFigureOut">
               <a:rPr lang="bg-BG" smtClean="0"/>
-              <a:t>10.11.2015 г.</a:t>
+              <a:t>11.11.2015 г.</a:t>
             </a:fld>
             <a:endParaRPr lang="bg-BG"/>
           </a:p>
@@ -1974,7 +1974,7 @@
           <a:p>
             <a:fld id="{697B1828-D962-4888-A9FB-D20F3ACFF720}" type="datetimeFigureOut">
               <a:rPr lang="bg-BG" smtClean="0"/>
-              <a:t>10.11.2015 г.</a:t>
+              <a:t>11.11.2015 г.</a:t>
             </a:fld>
             <a:endParaRPr lang="bg-BG"/>
           </a:p>
@@ -2097,7 +2097,7 @@
           <a:p>
             <a:fld id="{697B1828-D962-4888-A9FB-D20F3ACFF720}" type="datetimeFigureOut">
               <a:rPr lang="bg-BG" smtClean="0"/>
-              <a:t>10.11.2015 г.</a:t>
+              <a:t>11.11.2015 г.</a:t>
             </a:fld>
             <a:endParaRPr lang="bg-BG"/>
           </a:p>
@@ -2192,7 +2192,7 @@
           <a:p>
             <a:fld id="{697B1828-D962-4888-A9FB-D20F3ACFF720}" type="datetimeFigureOut">
               <a:rPr lang="bg-BG" smtClean="0"/>
-              <a:t>10.11.2015 г.</a:t>
+              <a:t>11.11.2015 г.</a:t>
             </a:fld>
             <a:endParaRPr lang="bg-BG"/>
           </a:p>
@@ -2474,7 +2474,7 @@
           <a:p>
             <a:fld id="{697B1828-D962-4888-A9FB-D20F3ACFF720}" type="datetimeFigureOut">
               <a:rPr lang="bg-BG" smtClean="0"/>
-              <a:t>10.11.2015 г.</a:t>
+              <a:t>11.11.2015 г.</a:t>
             </a:fld>
             <a:endParaRPr lang="bg-BG"/>
           </a:p>
@@ -2736,7 +2736,7 @@
           <a:p>
             <a:fld id="{697B1828-D962-4888-A9FB-D20F3ACFF720}" type="datetimeFigureOut">
               <a:rPr lang="bg-BG" smtClean="0"/>
-              <a:t>10.11.2015 г.</a:t>
+              <a:t>11.11.2015 г.</a:t>
             </a:fld>
             <a:endParaRPr lang="bg-BG"/>
           </a:p>
@@ -2949,7 +2949,7 @@
           <a:p>
             <a:fld id="{697B1828-D962-4888-A9FB-D20F3ACFF720}" type="datetimeFigureOut">
               <a:rPr lang="bg-BG" smtClean="0"/>
-              <a:t>10.11.2015 г.</a:t>
+              <a:t>11.11.2015 г.</a:t>
             </a:fld>
             <a:endParaRPr lang="bg-BG"/>
           </a:p>
@@ -3517,12 +3517,22 @@
         </p:blipFill>
         <p:spPr>
           <a:xfrm>
-            <a:off x="3786662" y="4124642"/>
-            <a:ext cx="4331291" cy="2417837"/>
+            <a:off x="3410798" y="3210242"/>
+            <a:ext cx="5370401" cy="2997895"/>
           </a:xfrm>
           <a:prstGeom prst="rect">
             <a:avLst/>
           </a:prstGeom>
+          <a:ln>
+            <a:noFill/>
+          </a:ln>
+          <a:effectLst>
+            <a:outerShdw blurRad="190500" algn="tl" rotWithShape="0">
+              <a:srgbClr val="000000">
+                <a:alpha val="70000"/>
+              </a:srgbClr>
+            </a:outerShdw>
+          </a:effectLst>
         </p:spPr>
       </p:pic>
     </p:spTree>
@@ -3592,7 +3602,103 @@
                   </a:outerShdw>
                 </a:effectLst>
               </a:rPr>
-              <a:t>Our project represents a card-matcher memory game with three themes which can be choose by the user.</a:t>
+              <a:t>Our project represents a </a:t>
+            </a:r>
+            <a:r>
+              <a:rPr lang="en-US" b="1" dirty="0" smtClean="0">
+                <a:effectLst>
+                  <a:outerShdw blurRad="38100" dist="38100" dir="2700000" algn="tl">
+                    <a:srgbClr val="000000">
+                      <a:alpha val="43137"/>
+                    </a:srgbClr>
+                  </a:outerShdw>
+                </a:effectLst>
+              </a:rPr>
+              <a:t>card-matching </a:t>
+            </a:r>
+            <a:r>
+              <a:rPr lang="en-US" b="1" dirty="0" smtClean="0">
+                <a:effectLst>
+                  <a:outerShdw blurRad="38100" dist="38100" dir="2700000" algn="tl">
+                    <a:srgbClr val="000000">
+                      <a:alpha val="43137"/>
+                    </a:srgbClr>
+                  </a:outerShdw>
+                </a:effectLst>
+              </a:rPr>
+              <a:t>memory game with three </a:t>
+            </a:r>
+            <a:r>
+              <a:rPr lang="en-US" b="1" dirty="0" smtClean="0">
+                <a:effectLst>
+                  <a:outerShdw blurRad="38100" dist="38100" dir="2700000" algn="tl">
+                    <a:srgbClr val="000000">
+                      <a:alpha val="43137"/>
+                    </a:srgbClr>
+                  </a:outerShdw>
+                </a:effectLst>
+              </a:rPr>
+              <a:t>themes</a:t>
+            </a:r>
+            <a:r>
+              <a:rPr lang="bg-BG" b="1" dirty="0" smtClean="0">
+                <a:effectLst>
+                  <a:outerShdw blurRad="38100" dist="38100" dir="2700000" algn="tl">
+                    <a:srgbClr val="000000">
+                      <a:alpha val="43137"/>
+                    </a:srgbClr>
+                  </a:outerShdw>
+                </a:effectLst>
+              </a:rPr>
+              <a:t> </a:t>
+            </a:r>
+            <a:r>
+              <a:rPr lang="en-US" b="1" dirty="0" smtClean="0">
+                <a:effectLst>
+                  <a:outerShdw blurRad="38100" dist="38100" dir="2700000" algn="tl">
+                    <a:srgbClr val="000000">
+                      <a:alpha val="43137"/>
+                    </a:srgbClr>
+                  </a:outerShdw>
+                </a:effectLst>
+              </a:rPr>
+              <a:t>and levels</a:t>
+            </a:r>
+            <a:r>
+              <a:rPr lang="bg-BG" b="1" dirty="0" smtClean="0">
+                <a:effectLst>
+                  <a:outerShdw blurRad="38100" dist="38100" dir="2700000" algn="tl">
+                    <a:srgbClr val="000000">
+                      <a:alpha val="43137"/>
+                    </a:srgbClr>
+                  </a:outerShdw>
+                </a:effectLst>
+              </a:rPr>
+              <a:t>,</a:t>
+            </a:r>
+            <a:r>
+              <a:rPr lang="en-US" b="1" dirty="0" smtClean="0">
+                <a:effectLst>
+                  <a:outerShdw blurRad="38100" dist="38100" dir="2700000" algn="tl">
+                    <a:srgbClr val="000000">
+                      <a:alpha val="43137"/>
+                    </a:srgbClr>
+                  </a:outerShdw>
+                </a:effectLst>
+              </a:rPr>
+              <a:t> </a:t>
+            </a:r>
+            <a:r>
+              <a:rPr lang="en-US" b="1" dirty="0" smtClean="0">
+                <a:effectLst>
+                  <a:outerShdw blurRad="38100" dist="38100" dir="2700000" algn="tl">
+                    <a:srgbClr val="000000">
+                      <a:alpha val="43137"/>
+                    </a:srgbClr>
+                  </a:outerShdw>
+                </a:effectLst>
+              </a:rPr>
+              <a:t>which can be choose by the user.</a:t>
             </a:r>
             <a:endParaRPr lang="bg-BG" b="1" dirty="0">
               <a:effectLst>
@@ -3606,36 +3712,46 @@
           </a:p>
         </p:txBody>
       </p:sp>
-      <p:sp>
-        <p:nvSpPr>
-          <p:cNvPr id="6" name="TextBox 5"/>
-          <p:cNvSpPr txBox="1"/>
+      <p:pic>
+        <p:nvPicPr>
+          <p:cNvPr id="3" name="Picture 2"/>
+          <p:cNvPicPr>
+            <a:picLocks noChangeAspect="1"/>
+          </p:cNvPicPr>
           <p:nvPr/>
-        </p:nvSpPr>
+        </p:nvPicPr>
+        <p:blipFill>
+          <a:blip r:embed="rId2">
+            <a:extLst>
+              <a:ext uri="{28A0092B-C50C-407E-A947-70E740481C1C}">
+                <a14:useLocalDpi xmlns:a14="http://schemas.microsoft.com/office/drawing/2010/main" val="0"/>
+              </a:ext>
+            </a:extLst>
+          </a:blip>
+          <a:stretch>
+            <a:fillRect/>
+          </a:stretch>
+        </p:blipFill>
         <p:spPr>
           <a:xfrm>
-            <a:off x="4221480" y="3396343"/>
-            <a:ext cx="3749040" cy="646331"/>
+            <a:off x="1469571" y="1899694"/>
+            <a:ext cx="9252857" cy="4580009"/>
           </a:xfrm>
           <a:prstGeom prst="rect">
             <a:avLst/>
           </a:prstGeom>
-          <a:noFill/>
+          <a:ln>
+            <a:noFill/>
+          </a:ln>
+          <a:effectLst>
+            <a:outerShdw blurRad="190500" algn="tl" rotWithShape="0">
+              <a:srgbClr val="000000">
+                <a:alpha val="70000"/>
+              </a:srgbClr>
+            </a:outerShdw>
+          </a:effectLst>
         </p:spPr>
-        <p:txBody>
-          <a:bodyPr wrap="square" rtlCol="0">
-            <a:spAutoFit/>
-          </a:bodyPr>
-          <a:lstStyle/>
-          <a:p>
-            <a:r>
-              <a:rPr lang="en-US" dirty="0" smtClean="0"/>
-              <a:t>//the main background of the game stands here </a:t>
-            </a:r>
-            <a:endParaRPr lang="bg-BG" dirty="0"/>
-          </a:p>
-        </p:txBody>
-      </p:sp>
+      </p:pic>
     </p:spTree>
     <p:extLst>
       <p:ext uri="{BB962C8B-B14F-4D97-AF65-F5344CB8AC3E}">
@@ -3790,6 +3906,16 @@
           <a:prstGeom prst="rect">
             <a:avLst/>
           </a:prstGeom>
+          <a:ln>
+            <a:noFill/>
+          </a:ln>
+          <a:effectLst>
+            <a:outerShdw blurRad="190500" algn="tl" rotWithShape="0">
+              <a:srgbClr val="000000">
+                <a:alpha val="70000"/>
+              </a:srgbClr>
+            </a:outerShdw>
+          </a:effectLst>
         </p:spPr>
       </p:pic>
     </p:spTree>
@@ -4526,6 +4652,16 @@
           <a:prstGeom prst="rect">
             <a:avLst/>
           </a:prstGeom>
+          <a:ln>
+            <a:noFill/>
+          </a:ln>
+          <a:effectLst>
+            <a:outerShdw blurRad="190500" algn="tl" rotWithShape="0">
+              <a:srgbClr val="000000">
+                <a:alpha val="70000"/>
+              </a:srgbClr>
+            </a:outerShdw>
+          </a:effectLst>
         </p:spPr>
       </p:pic>
     </p:spTree>
